--- a/QA project presentation.pptx
+++ b/QA project presentation.pptx
@@ -141,6 +141,192 @@
     </p:ext>
   </p:extLst>
 </p:presentation>
+</file>
+
+<file path=ppt/ink/ink1.xml><?xml version="1.0" encoding="utf-8"?>
+<inkml:ink xmlns:inkml="http://www.w3.org/2003/InkML">
+  <inkml:definitions>
+    <inkml:context xml:id="ctx0">
+      <inkml:inkSource xml:id="inkSrc0">
+        <inkml:traceFormat>
+          <inkml:channel name="X" type="integer" min="-2.14748E9" max="2.14748E9" units="cm"/>
+          <inkml:channel name="Y" type="integer" min="-2.14748E9" max="2.14748E9" units="cm"/>
+        </inkml:traceFormat>
+        <inkml:channelProperties>
+          <inkml:channelProperty channel="X" name="resolution" value="1000" units="1/cm"/>
+          <inkml:channelProperty channel="Y" name="resolution" value="1000" units="1/cm"/>
+        </inkml:channelProperties>
+      </inkml:inkSource>
+      <inkml:timestamp xml:id="ts0" timeString="2021-07-19T07:53:24.121"/>
+    </inkml:context>
+    <inkml:brush xml:id="br0">
+      <inkml:brushProperty name="width" value="0.05" units="cm"/>
+      <inkml:brushProperty name="height" value="0.05" units="cm"/>
+      <inkml:brushProperty name="ignorePressure" value="1"/>
+    </inkml:brush>
+  </inkml:definitions>
+  <inkml:trace contextRef="#ctx0" brushRef="#br0">1 0,'0'0</inkml:trace>
+</inkml:ink>
+</file>
+
+<file path=ppt/ink/ink2.xml><?xml version="1.0" encoding="utf-8"?>
+<inkml:ink xmlns:inkml="http://www.w3.org/2003/InkML">
+  <inkml:definitions>
+    <inkml:context xml:id="ctx0">
+      <inkml:inkSource xml:id="inkSrc0">
+        <inkml:traceFormat>
+          <inkml:channel name="X" type="integer" min="-2.14748E9" max="2.14748E9" units="cm"/>
+          <inkml:channel name="Y" type="integer" min="-2.14748E9" max="2.14748E9" units="cm"/>
+        </inkml:traceFormat>
+        <inkml:channelProperties>
+          <inkml:channelProperty channel="X" name="resolution" value="1000" units="1/cm"/>
+          <inkml:channelProperty channel="Y" name="resolution" value="1000" units="1/cm"/>
+        </inkml:channelProperties>
+      </inkml:inkSource>
+      <inkml:timestamp xml:id="ts0" timeString="2021-07-19T07:53:25.477"/>
+    </inkml:context>
+    <inkml:brush xml:id="br0">
+      <inkml:brushProperty name="width" value="0.05" units="cm"/>
+      <inkml:brushProperty name="height" value="0.05" units="cm"/>
+      <inkml:brushProperty name="ignorePressure" value="1"/>
+    </inkml:brush>
+  </inkml:definitions>
+  <inkml:trace contextRef="#ctx0" brushRef="#br0">1 0,'4'0,"2"0</inkml:trace>
+</inkml:ink>
+</file>
+
+<file path=ppt/ink/ink3.xml><?xml version="1.0" encoding="utf-8"?>
+<inkml:ink xmlns:inkml="http://www.w3.org/2003/InkML">
+  <inkml:definitions>
+    <inkml:context xml:id="ctx0">
+      <inkml:inkSource xml:id="inkSrc0">
+        <inkml:traceFormat>
+          <inkml:channel name="X" type="integer" min="-2.14748E9" max="2.14748E9" units="cm"/>
+          <inkml:channel name="Y" type="integer" min="-2.14748E9" max="2.14748E9" units="cm"/>
+        </inkml:traceFormat>
+        <inkml:channelProperties>
+          <inkml:channelProperty channel="X" name="resolution" value="1000" units="1/cm"/>
+          <inkml:channelProperty channel="Y" name="resolution" value="1000" units="1/cm"/>
+        </inkml:channelProperties>
+      </inkml:inkSource>
+      <inkml:timestamp xml:id="ts0" timeString="2021-07-19T07:53:41.309"/>
+    </inkml:context>
+    <inkml:brush xml:id="br0">
+      <inkml:brushProperty name="width" value="0.35" units="cm"/>
+      <inkml:brushProperty name="height" value="0.35" units="cm"/>
+      <inkml:brushProperty name="color" value="#FFFFFF"/>
+      <inkml:brushProperty name="ignorePressure" value="1"/>
+    </inkml:brush>
+  </inkml:definitions>
+  <inkml:trace contextRef="#ctx0" brushRef="#br0">1 1,'16'13,"0"0,23 12,17 14,-46-31,35 33,-42-38,1 1,-2 0,1 0,0 0,-1 0,1 1,-1-1,-1 1,1-1,1 7,4 22,1-1,-2 0,2 40,-8-62,0-1,0 1,-1 0,-1-1,1 1,-1-1,-1 0,0 0,-5 11,5-14,0 1,-1-1,0 0,-1-1,1 1,-1-1,0 0,0 0,-1-1,0 1,1-1,-14 7,16-10,0 1,0 0,-1-1,1 0,-1 0,1 0,-1 0,1 0,-1-1,1 0,-1 1,-6-2,8 1,-1-1,1 0,0 0,0 0,-1 0,1 0,0 0,0 0,0-1,0 1,0-1,1 0,-1 1,0-1,1 0,-1 0,1 0,0 0,0 0,-2-3,-2-7,0 0,1 0,1 0,0-1,-3-23,1-65,5 65</inkml:trace>
+</inkml:ink>
+</file>
+
+<file path=ppt/ink/ink4.xml><?xml version="1.0" encoding="utf-8"?>
+<inkml:ink xmlns:inkml="http://www.w3.org/2003/InkML">
+  <inkml:definitions>
+    <inkml:context xml:id="ctx0">
+      <inkml:inkSource xml:id="inkSrc0">
+        <inkml:traceFormat>
+          <inkml:channel name="X" type="integer" min="-2.14748E9" max="2.14748E9" units="cm"/>
+          <inkml:channel name="Y" type="integer" min="-2.14748E9" max="2.14748E9" units="cm"/>
+        </inkml:traceFormat>
+        <inkml:channelProperties>
+          <inkml:channelProperty channel="X" name="resolution" value="1000" units="1/cm"/>
+          <inkml:channelProperty channel="Y" name="resolution" value="1000" units="1/cm"/>
+        </inkml:channelProperties>
+      </inkml:inkSource>
+      <inkml:timestamp xml:id="ts0" timeString="2021-07-19T07:53:48.088"/>
+    </inkml:context>
+    <inkml:brush xml:id="br0">
+      <inkml:brushProperty name="width" value="0.35" units="cm"/>
+      <inkml:brushProperty name="height" value="0.35" units="cm"/>
+      <inkml:brushProperty name="color" value="#FFFFFF"/>
+      <inkml:brushProperty name="ignorePressure" value="1"/>
+    </inkml:brush>
+  </inkml:definitions>
+  <inkml:trace contextRef="#ctx0" brushRef="#br0">48 0,'0'18,"0"15,0 11,-4 6,-2 5,0 10,-3-1,0-7,1 5,3-9</inkml:trace>
+</inkml:ink>
+</file>
+
+<file path=ppt/ink/ink5.xml><?xml version="1.0" encoding="utf-8"?>
+<inkml:ink xmlns:inkml="http://www.w3.org/2003/InkML">
+  <inkml:definitions>
+    <inkml:context xml:id="ctx0">
+      <inkml:inkSource xml:id="inkSrc0">
+        <inkml:traceFormat>
+          <inkml:channel name="X" type="integer" min="-2.14748E9" max="2.14748E9" units="cm"/>
+          <inkml:channel name="Y" type="integer" min="-2.14748E9" max="2.14748E9" units="cm"/>
+        </inkml:traceFormat>
+        <inkml:channelProperties>
+          <inkml:channelProperty channel="X" name="resolution" value="1000" units="1/cm"/>
+          <inkml:channelProperty channel="Y" name="resolution" value="1000" units="1/cm"/>
+        </inkml:channelProperties>
+      </inkml:inkSource>
+      <inkml:timestamp xml:id="ts0" timeString="2021-07-19T07:53:59.764"/>
+    </inkml:context>
+    <inkml:brush xml:id="br0">
+      <inkml:brushProperty name="width" value="0.35" units="cm"/>
+      <inkml:brushProperty name="height" value="0.35" units="cm"/>
+      <inkml:brushProperty name="color" value="#FFFFFF"/>
+      <inkml:brushProperty name="ignorePressure" value="1"/>
+    </inkml:brush>
+  </inkml:definitions>
+  <inkml:trace contextRef="#ctx0" brushRef="#br0">42 1,'0'4,"0"11,0 6,0 6,0 1,-4 2,-2-1,0 0,-3-6,0-6,1-6</inkml:trace>
+</inkml:ink>
+</file>
+
+<file path=ppt/ink/ink6.xml><?xml version="1.0" encoding="utf-8"?>
+<inkml:ink xmlns:inkml="http://www.w3.org/2003/InkML">
+  <inkml:definitions>
+    <inkml:context xml:id="ctx0">
+      <inkml:inkSource xml:id="inkSrc0">
+        <inkml:traceFormat>
+          <inkml:channel name="X" type="integer" min="-2.14748E9" max="2.14748E9" units="cm"/>
+          <inkml:channel name="Y" type="integer" min="-2.14748E9" max="2.14748E9" units="cm"/>
+        </inkml:traceFormat>
+        <inkml:channelProperties>
+          <inkml:channelProperty channel="X" name="resolution" value="1000" units="1/cm"/>
+          <inkml:channelProperty channel="Y" name="resolution" value="1000" units="1/cm"/>
+        </inkml:channelProperties>
+      </inkml:inkSource>
+      <inkml:timestamp xml:id="ts0" timeString="2021-07-19T07:54:06.297"/>
+    </inkml:context>
+    <inkml:brush xml:id="br0">
+      <inkml:brushProperty name="width" value="0.35" units="cm"/>
+      <inkml:brushProperty name="height" value="0.35" units="cm"/>
+      <inkml:brushProperty name="color" value="#FFFFFF"/>
+      <inkml:brushProperty name="ignorePressure" value="1"/>
+    </inkml:brush>
+  </inkml:definitions>
+  <inkml:trace contextRef="#ctx0" brushRef="#br0">9144 190,'-15'0,"0"2,0 0,-15 5,-24 2,-299 0,235-11,-1585 2,1640 2,-101 19,46-4,-6-5,-52 5,-226 17,-4-31,328-7,-127-23,199 26,-86-11,-97-1,-94 13,153 2,74-1,1-2,0-3,0-2,-62-14,101 15,-71-17,-91-38,152 50,0 2,-1 1,1 1,-2 1,-35-2,-141 6,129 2,39 0,-200-7,205 3,0-1,1-2,0-1,0-1,-46-20,53 18,0 2,-1 1,-1 1,1 0,-1 2,0 1,1 1,-33 2,-22 5,-99 19,85-9,-147 16,171-24,1-2,-81-6,57-1,-1415 2,1503 0,0 0,1 0,-1 0,0 0,0 0,1-1,-1 0,0 0,1 0,-1 0,1 0,-1-1,1 1,-1-1,1 0,0 0,0 0,0-1,0 1,1-1,-6-5,2-2,7 11,16 21,14 25</inkml:trace>
+</inkml:ink>
+</file>
+
+<file path=ppt/ink/ink7.xml><?xml version="1.0" encoding="utf-8"?>
+<inkml:ink xmlns:inkml="http://www.w3.org/2003/InkML">
+  <inkml:definitions>
+    <inkml:context xml:id="ctx0">
+      <inkml:inkSource xml:id="inkSrc0">
+        <inkml:traceFormat>
+          <inkml:channel name="X" type="integer" min="-2.14748E9" max="2.14748E9" units="cm"/>
+          <inkml:channel name="Y" type="integer" min="-2.14748E9" max="2.14748E9" units="cm"/>
+        </inkml:traceFormat>
+        <inkml:channelProperties>
+          <inkml:channelProperty channel="X" name="resolution" value="1000" units="1/cm"/>
+          <inkml:channelProperty channel="Y" name="resolution" value="1000" units="1/cm"/>
+        </inkml:channelProperties>
+      </inkml:inkSource>
+      <inkml:timestamp xml:id="ts0" timeString="2021-07-19T07:54:27.605"/>
+    </inkml:context>
+    <inkml:brush xml:id="br0">
+      <inkml:brushProperty name="width" value="0.1" units="cm"/>
+      <inkml:brushProperty name="height" value="0.1" units="cm"/>
+      <inkml:brushProperty name="ignorePressure" value="1"/>
+    </inkml:brush>
+  </inkml:definitions>
+  <inkml:trace contextRef="#ctx0" brushRef="#br0">556 1,'-5'1,"1"0,-1 0,0 1,0 0,1 0,-1 0,1 1,-1-1,1 1,0 0,-6 6,-11 6,-20 11,1 2,1 1,2 2,-40 43,50-41,2 1,2 1,-23 46,14-25,14-27,-26 50,39-69,1 0,0 0,0 0,1 1,1-1,-2 12,4-19,0 0,0 0,1 0,-1 0,1 0,-1 0,1 0,0 0,0 0,1 0,-1-1,0 1,1 0,0-1,-1 1,1-1,0 0,0 1,1-1,-1 0,0 0,1-1,-1 1,1 0,-1-1,1 0,5 3,7 1,0 0,0 0,29 4,-43-9,62 10,55 12,-99-17,-1 1,0 0,-1 2,24 12,-30-13,0 1,-1 0,0 0,11 13,-9-9,-5-6,1 0,0-1,0 0,18 9,19 11,94 87,-116-95</inkml:trace>
+</inkml:ink>
 </file>
 
 <file path=ppt/notesMasters/notesMaster1.xml><?xml version="1.0" encoding="utf-8"?>
@@ -1299,7 +1485,7 @@
           <a:noFill/>
           <a:extLst>
             <a:ext uri="{909E8E84-426E-40dd-AFC4-6F175D3DCCD1}">
-              <a14:hiddenFill xmlns:a14="http://schemas.microsoft.com/office/drawing/2010/main" xmlns="">
+              <a14:hiddenFill xmlns="" xmlns:a14="http://schemas.microsoft.com/office/drawing/2010/main">
                 <a:solidFill>
                   <a:srgbClr val="FFFFFF"/>
                 </a:solidFill>
@@ -1359,7 +1545,7 @@
             </a:ln>
             <a:extLst>
               <a:ext uri="{91240B29-F687-4f45-9708-019B960494DF}">
-                <a14:hiddenLine xmlns:a14="http://schemas.microsoft.com/office/drawing/2010/main" xmlns="" w="9525">
+                <a14:hiddenLine xmlns="" xmlns:a14="http://schemas.microsoft.com/office/drawing/2010/main" w="9525">
                   <a:solidFill>
                     <a:srgbClr val="000000"/>
                   </a:solidFill>
@@ -1449,7 +1635,7 @@
             </a:ln>
             <a:extLst>
               <a:ext uri="{91240B29-F687-4f45-9708-019B960494DF}">
-                <a14:hiddenLine xmlns:a14="http://schemas.microsoft.com/office/drawing/2010/main" xmlns="" w="9525">
+                <a14:hiddenLine xmlns="" xmlns:a14="http://schemas.microsoft.com/office/drawing/2010/main" w="9525">
                   <a:solidFill>
                     <a:srgbClr val="000000"/>
                   </a:solidFill>
@@ -1539,7 +1725,7 @@
             </a:ln>
             <a:extLst>
               <a:ext uri="{91240B29-F687-4f45-9708-019B960494DF}">
-                <a14:hiddenLine xmlns:a14="http://schemas.microsoft.com/office/drawing/2010/main" xmlns="" w="9525">
+                <a14:hiddenLine xmlns="" xmlns:a14="http://schemas.microsoft.com/office/drawing/2010/main" w="9525">
                   <a:solidFill>
                     <a:srgbClr val="000000"/>
                   </a:solidFill>
@@ -1573,7 +1759,7 @@
             </a:ln>
             <a:extLst>
               <a:ext uri="{91240B29-F687-4f45-9708-019B960494DF}">
-                <a14:hiddenLine xmlns:a14="http://schemas.microsoft.com/office/drawing/2010/main" xmlns="" w="9525">
+                <a14:hiddenLine xmlns="" xmlns:a14="http://schemas.microsoft.com/office/drawing/2010/main" w="9525">
                   <a:solidFill>
                     <a:srgbClr val="000000"/>
                   </a:solidFill>
@@ -1663,7 +1849,7 @@
             </a:ln>
             <a:extLst>
               <a:ext uri="{91240B29-F687-4f45-9708-019B960494DF}">
-                <a14:hiddenLine xmlns:a14="http://schemas.microsoft.com/office/drawing/2010/main" xmlns="" w="9525">
+                <a14:hiddenLine xmlns="" xmlns:a14="http://schemas.microsoft.com/office/drawing/2010/main" w="9525">
                   <a:solidFill>
                     <a:srgbClr val="000000"/>
                   </a:solidFill>
@@ -1725,7 +1911,7 @@
             </a:ln>
             <a:extLst>
               <a:ext uri="{91240B29-F687-4f45-9708-019B960494DF}">
-                <a14:hiddenLine xmlns:a14="http://schemas.microsoft.com/office/drawing/2010/main" xmlns="" w="9525">
+                <a14:hiddenLine xmlns="" xmlns:a14="http://schemas.microsoft.com/office/drawing/2010/main" w="9525">
                   <a:solidFill>
                     <a:srgbClr val="000000"/>
                   </a:solidFill>
@@ -1787,7 +1973,7 @@
             </a:ln>
             <a:extLst>
               <a:ext uri="{91240B29-F687-4f45-9708-019B960494DF}">
-                <a14:hiddenLine xmlns:a14="http://schemas.microsoft.com/office/drawing/2010/main" xmlns="" w="9525">
+                <a14:hiddenLine xmlns="" xmlns:a14="http://schemas.microsoft.com/office/drawing/2010/main" w="9525">
                   <a:solidFill>
                     <a:srgbClr val="000000"/>
                   </a:solidFill>
@@ -1877,7 +2063,7 @@
             </a:ln>
             <a:extLst>
               <a:ext uri="{91240B29-F687-4f45-9708-019B960494DF}">
-                <a14:hiddenLine xmlns:a14="http://schemas.microsoft.com/office/drawing/2010/main" xmlns="" w="9525">
+                <a14:hiddenLine xmlns="" xmlns:a14="http://schemas.microsoft.com/office/drawing/2010/main" w="9525">
                   <a:solidFill>
                     <a:srgbClr val="000000"/>
                   </a:solidFill>
@@ -1939,7 +2125,7 @@
             </a:ln>
             <a:extLst>
               <a:ext uri="{91240B29-F687-4f45-9708-019B960494DF}">
-                <a14:hiddenLine xmlns:a14="http://schemas.microsoft.com/office/drawing/2010/main" xmlns="" w="9525">
+                <a14:hiddenLine xmlns="" xmlns:a14="http://schemas.microsoft.com/office/drawing/2010/main" w="9525">
                   <a:solidFill>
                     <a:srgbClr val="000000"/>
                   </a:solidFill>
@@ -2001,7 +2187,7 @@
             </a:ln>
             <a:extLst>
               <a:ext uri="{91240B29-F687-4f45-9708-019B960494DF}">
-                <a14:hiddenLine xmlns:a14="http://schemas.microsoft.com/office/drawing/2010/main" xmlns="" w="9525">
+                <a14:hiddenLine xmlns="" xmlns:a14="http://schemas.microsoft.com/office/drawing/2010/main" w="9525">
                   <a:solidFill>
                     <a:srgbClr val="000000"/>
                   </a:solidFill>
@@ -2091,7 +2277,7 @@
             </a:ln>
             <a:extLst>
               <a:ext uri="{91240B29-F687-4f45-9708-019B960494DF}">
-                <a14:hiddenLine xmlns:a14="http://schemas.microsoft.com/office/drawing/2010/main" xmlns="" w="9525">
+                <a14:hiddenLine xmlns="" xmlns:a14="http://schemas.microsoft.com/office/drawing/2010/main" w="9525">
                   <a:solidFill>
                     <a:srgbClr val="000000"/>
                   </a:solidFill>
@@ -2181,7 +2367,7 @@
             </a:ln>
             <a:extLst>
               <a:ext uri="{91240B29-F687-4f45-9708-019B960494DF}">
-                <a14:hiddenLine xmlns:a14="http://schemas.microsoft.com/office/drawing/2010/main" xmlns="" w="9525">
+                <a14:hiddenLine xmlns="" xmlns:a14="http://schemas.microsoft.com/office/drawing/2010/main" w="9525">
                   <a:solidFill>
                     <a:srgbClr val="000000"/>
                   </a:solidFill>
@@ -2243,7 +2429,7 @@
             </a:ln>
             <a:extLst>
               <a:ext uri="{91240B29-F687-4f45-9708-019B960494DF}">
-                <a14:hiddenLine xmlns:a14="http://schemas.microsoft.com/office/drawing/2010/main" xmlns="" w="9525">
+                <a14:hiddenLine xmlns="" xmlns:a14="http://schemas.microsoft.com/office/drawing/2010/main" w="9525">
                   <a:solidFill>
                     <a:srgbClr val="000000"/>
                   </a:solidFill>
@@ -2353,7 +2539,7 @@
             </a:ln>
             <a:extLst>
               <a:ext uri="{91240B29-F687-4f45-9708-019B960494DF}">
-                <a14:hiddenLine xmlns:a14="http://schemas.microsoft.com/office/drawing/2010/main" xmlns="" w="9525">
+                <a14:hiddenLine xmlns="" xmlns:a14="http://schemas.microsoft.com/office/drawing/2010/main" w="9525">
                   <a:solidFill>
                     <a:srgbClr val="000000"/>
                   </a:solidFill>
@@ -2415,7 +2601,7 @@
             </a:ln>
             <a:extLst>
               <a:ext uri="{91240B29-F687-4f45-9708-019B960494DF}">
-                <a14:hiddenLine xmlns:a14="http://schemas.microsoft.com/office/drawing/2010/main" xmlns="" w="9525">
+                <a14:hiddenLine xmlns="" xmlns:a14="http://schemas.microsoft.com/office/drawing/2010/main" w="9525">
                   <a:solidFill>
                     <a:srgbClr val="000000"/>
                   </a:solidFill>
@@ -2505,7 +2691,7 @@
             </a:ln>
             <a:extLst>
               <a:ext uri="{91240B29-F687-4f45-9708-019B960494DF}">
-                <a14:hiddenLine xmlns:a14="http://schemas.microsoft.com/office/drawing/2010/main" xmlns="" w="9525">
+                <a14:hiddenLine xmlns="" xmlns:a14="http://schemas.microsoft.com/office/drawing/2010/main" w="9525">
                   <a:solidFill>
                     <a:srgbClr val="000000"/>
                   </a:solidFill>
@@ -2595,7 +2781,7 @@
             </a:ln>
             <a:extLst>
               <a:ext uri="{91240B29-F687-4f45-9708-019B960494DF}">
-                <a14:hiddenLine xmlns:a14="http://schemas.microsoft.com/office/drawing/2010/main" xmlns="" w="9525">
+                <a14:hiddenLine xmlns="" xmlns:a14="http://schemas.microsoft.com/office/drawing/2010/main" w="9525">
                   <a:solidFill>
                     <a:srgbClr val="000000"/>
                   </a:solidFill>
@@ -2657,7 +2843,7 @@
             </a:ln>
             <a:extLst>
               <a:ext uri="{91240B29-F687-4f45-9708-019B960494DF}">
-                <a14:hiddenLine xmlns:a14="http://schemas.microsoft.com/office/drawing/2010/main" xmlns="" w="9525">
+                <a14:hiddenLine xmlns="" xmlns:a14="http://schemas.microsoft.com/office/drawing/2010/main" w="9525">
                   <a:solidFill>
                     <a:srgbClr val="000000"/>
                   </a:solidFill>
@@ -2747,7 +2933,7 @@
             </a:ln>
             <a:extLst>
               <a:ext uri="{91240B29-F687-4f45-9708-019B960494DF}">
-                <a14:hiddenLine xmlns:a14="http://schemas.microsoft.com/office/drawing/2010/main" xmlns="" w="9525">
+                <a14:hiddenLine xmlns="" xmlns:a14="http://schemas.microsoft.com/office/drawing/2010/main" w="9525">
                   <a:solidFill>
                     <a:srgbClr val="000000"/>
                   </a:solidFill>
@@ -2837,7 +3023,7 @@
             </a:ln>
             <a:extLst>
               <a:ext uri="{91240B29-F687-4f45-9708-019B960494DF}">
-                <a14:hiddenLine xmlns:a14="http://schemas.microsoft.com/office/drawing/2010/main" xmlns="" w="9525">
+                <a14:hiddenLine xmlns="" xmlns:a14="http://schemas.microsoft.com/office/drawing/2010/main" w="9525">
                   <a:solidFill>
                     <a:srgbClr val="000000"/>
                   </a:solidFill>
@@ -2893,7 +3079,7 @@
             </a:ln>
             <a:extLst>
               <a:ext uri="{91240B29-F687-4f45-9708-019B960494DF}">
-                <a14:hiddenLine xmlns:a14="http://schemas.microsoft.com/office/drawing/2010/main" xmlns="" w="9525">
+                <a14:hiddenLine xmlns="" xmlns:a14="http://schemas.microsoft.com/office/drawing/2010/main" w="9525">
                   <a:solidFill>
                     <a:srgbClr val="000000"/>
                   </a:solidFill>
@@ -2983,7 +3169,7 @@
             </a:ln>
             <a:extLst>
               <a:ext uri="{91240B29-F687-4f45-9708-019B960494DF}">
-                <a14:hiddenLine xmlns:a14="http://schemas.microsoft.com/office/drawing/2010/main" xmlns="" w="9525">
+                <a14:hiddenLine xmlns="" xmlns:a14="http://schemas.microsoft.com/office/drawing/2010/main" w="9525">
                   <a:solidFill>
                     <a:srgbClr val="000000"/>
                   </a:solidFill>
@@ -3039,7 +3225,7 @@
             </a:ln>
             <a:extLst>
               <a:ext uri="{91240B29-F687-4f45-9708-019B960494DF}">
-                <a14:hiddenLine xmlns:a14="http://schemas.microsoft.com/office/drawing/2010/main" xmlns="" w="9525">
+                <a14:hiddenLine xmlns="" xmlns:a14="http://schemas.microsoft.com/office/drawing/2010/main" w="9525">
                   <a:solidFill>
                     <a:srgbClr val="000000"/>
                   </a:solidFill>
@@ -3129,7 +3315,7 @@
             </a:ln>
             <a:extLst>
               <a:ext uri="{91240B29-F687-4f45-9708-019B960494DF}">
-                <a14:hiddenLine xmlns:a14="http://schemas.microsoft.com/office/drawing/2010/main" xmlns="" w="9525">
+                <a14:hiddenLine xmlns="" xmlns:a14="http://schemas.microsoft.com/office/drawing/2010/main" w="9525">
                   <a:solidFill>
                     <a:srgbClr val="000000"/>
                   </a:solidFill>
@@ -3197,7 +3383,7 @@
             </a:ln>
             <a:extLst>
               <a:ext uri="{91240B29-F687-4f45-9708-019B960494DF}">
-                <a14:hiddenLine xmlns:a14="http://schemas.microsoft.com/office/drawing/2010/main" xmlns="" w="9525">
+                <a14:hiddenLine xmlns="" xmlns:a14="http://schemas.microsoft.com/office/drawing/2010/main" w="9525">
                   <a:solidFill>
                     <a:srgbClr val="000000"/>
                   </a:solidFill>
@@ -3287,7 +3473,7 @@
             </a:ln>
             <a:extLst>
               <a:ext uri="{91240B29-F687-4f45-9708-019B960494DF}">
-                <a14:hiddenLine xmlns:a14="http://schemas.microsoft.com/office/drawing/2010/main" xmlns="" w="9525">
+                <a14:hiddenLine xmlns="" xmlns:a14="http://schemas.microsoft.com/office/drawing/2010/main" w="9525">
                   <a:solidFill>
                     <a:srgbClr val="000000"/>
                   </a:solidFill>
@@ -3355,7 +3541,7 @@
             </a:ln>
             <a:extLst>
               <a:ext uri="{91240B29-F687-4f45-9708-019B960494DF}">
-                <a14:hiddenLine xmlns:a14="http://schemas.microsoft.com/office/drawing/2010/main" xmlns="" w="9525">
+                <a14:hiddenLine xmlns="" xmlns:a14="http://schemas.microsoft.com/office/drawing/2010/main" w="9525">
                   <a:solidFill>
                     <a:srgbClr val="000000"/>
                   </a:solidFill>
@@ -3445,7 +3631,7 @@
             </a:ln>
             <a:extLst>
               <a:ext uri="{91240B29-F687-4f45-9708-019B960494DF}">
-                <a14:hiddenLine xmlns:a14="http://schemas.microsoft.com/office/drawing/2010/main" xmlns="" w="9525">
+                <a14:hiddenLine xmlns="" xmlns:a14="http://schemas.microsoft.com/office/drawing/2010/main" w="9525">
                   <a:solidFill>
                     <a:srgbClr val="000000"/>
                   </a:solidFill>
@@ -3479,7 +3665,7 @@
             </a:ln>
             <a:extLst>
               <a:ext uri="{91240B29-F687-4f45-9708-019B960494DF}">
-                <a14:hiddenLine xmlns:a14="http://schemas.microsoft.com/office/drawing/2010/main" xmlns="" w="9525">
+                <a14:hiddenLine xmlns="" xmlns:a14="http://schemas.microsoft.com/office/drawing/2010/main" w="9525">
                   <a:solidFill>
                     <a:srgbClr val="000000"/>
                   </a:solidFill>
@@ -3569,7 +3755,7 @@
             </a:ln>
             <a:extLst>
               <a:ext uri="{91240B29-F687-4f45-9708-019B960494DF}">
-                <a14:hiddenLine xmlns:a14="http://schemas.microsoft.com/office/drawing/2010/main" xmlns="" w="9525">
+                <a14:hiddenLine xmlns="" xmlns:a14="http://schemas.microsoft.com/office/drawing/2010/main" w="9525">
                   <a:solidFill>
                     <a:srgbClr val="000000"/>
                   </a:solidFill>
@@ -3631,7 +3817,7 @@
             </a:ln>
             <a:extLst>
               <a:ext uri="{91240B29-F687-4f45-9708-019B960494DF}">
-                <a14:hiddenLine xmlns:a14="http://schemas.microsoft.com/office/drawing/2010/main" xmlns="" w="9525">
+                <a14:hiddenLine xmlns="" xmlns:a14="http://schemas.microsoft.com/office/drawing/2010/main" w="9525">
                   <a:solidFill>
                     <a:srgbClr val="000000"/>
                   </a:solidFill>
@@ -3693,7 +3879,7 @@
             </a:ln>
             <a:extLst>
               <a:ext uri="{91240B29-F687-4f45-9708-019B960494DF}">
-                <a14:hiddenLine xmlns:a14="http://schemas.microsoft.com/office/drawing/2010/main" xmlns="" w="9525">
+                <a14:hiddenLine xmlns="" xmlns:a14="http://schemas.microsoft.com/office/drawing/2010/main" w="9525">
                   <a:solidFill>
                     <a:srgbClr val="000000"/>
                   </a:solidFill>
@@ -3783,7 +3969,7 @@
             </a:ln>
             <a:extLst>
               <a:ext uri="{91240B29-F687-4f45-9708-019B960494DF}">
-                <a14:hiddenLine xmlns:a14="http://schemas.microsoft.com/office/drawing/2010/main" xmlns="" w="9525">
+                <a14:hiddenLine xmlns="" xmlns:a14="http://schemas.microsoft.com/office/drawing/2010/main" w="9525">
                   <a:solidFill>
                     <a:srgbClr val="000000"/>
                   </a:solidFill>
@@ -3851,7 +4037,7 @@
             </a:ln>
             <a:extLst>
               <a:ext uri="{91240B29-F687-4f45-9708-019B960494DF}">
-                <a14:hiddenLine xmlns:a14="http://schemas.microsoft.com/office/drawing/2010/main" xmlns="" w="9525">
+                <a14:hiddenLine xmlns="" xmlns:a14="http://schemas.microsoft.com/office/drawing/2010/main" w="9525">
                   <a:solidFill>
                     <a:srgbClr val="000000"/>
                   </a:solidFill>
@@ -3913,7 +4099,7 @@
             </a:ln>
             <a:extLst>
               <a:ext uri="{91240B29-F687-4f45-9708-019B960494DF}">
-                <a14:hiddenLine xmlns:a14="http://schemas.microsoft.com/office/drawing/2010/main" xmlns="" w="9525">
+                <a14:hiddenLine xmlns="" xmlns:a14="http://schemas.microsoft.com/office/drawing/2010/main" w="9525">
                   <a:solidFill>
                     <a:srgbClr val="000000"/>
                   </a:solidFill>
@@ -4003,7 +4189,7 @@
             </a:ln>
             <a:extLst>
               <a:ext uri="{91240B29-F687-4f45-9708-019B960494DF}">
-                <a14:hiddenLine xmlns:a14="http://schemas.microsoft.com/office/drawing/2010/main" xmlns="" w="9525">
+                <a14:hiddenLine xmlns="" xmlns:a14="http://schemas.microsoft.com/office/drawing/2010/main" w="9525">
                   <a:solidFill>
                     <a:srgbClr val="000000"/>
                   </a:solidFill>
@@ -4065,7 +4251,7 @@
             </a:ln>
             <a:extLst>
               <a:ext uri="{91240B29-F687-4f45-9708-019B960494DF}">
-                <a14:hiddenLine xmlns:a14="http://schemas.microsoft.com/office/drawing/2010/main" xmlns="" w="9525">
+                <a14:hiddenLine xmlns="" xmlns:a14="http://schemas.microsoft.com/office/drawing/2010/main" w="9525">
                   <a:solidFill>
                     <a:srgbClr val="000000"/>
                   </a:solidFill>
@@ -4155,7 +4341,7 @@
             </a:ln>
             <a:extLst>
               <a:ext uri="{91240B29-F687-4f45-9708-019B960494DF}">
-                <a14:hiddenLine xmlns:a14="http://schemas.microsoft.com/office/drawing/2010/main" xmlns="" w="9525">
+                <a14:hiddenLine xmlns="" xmlns:a14="http://schemas.microsoft.com/office/drawing/2010/main" w="9525">
                   <a:solidFill>
                     <a:srgbClr val="000000"/>
                   </a:solidFill>
@@ -4217,7 +4403,7 @@
             </a:ln>
             <a:extLst>
               <a:ext uri="{91240B29-F687-4f45-9708-019B960494DF}">
-                <a14:hiddenLine xmlns:a14="http://schemas.microsoft.com/office/drawing/2010/main" xmlns="" w="9525">
+                <a14:hiddenLine xmlns="" xmlns:a14="http://schemas.microsoft.com/office/drawing/2010/main" w="9525">
                   <a:solidFill>
                     <a:srgbClr val="000000"/>
                   </a:solidFill>
@@ -4307,7 +4493,7 @@
             </a:ln>
             <a:extLst>
               <a:ext uri="{91240B29-F687-4f45-9708-019B960494DF}">
-                <a14:hiddenLine xmlns:a14="http://schemas.microsoft.com/office/drawing/2010/main" xmlns="" w="9525">
+                <a14:hiddenLine xmlns="" xmlns:a14="http://schemas.microsoft.com/office/drawing/2010/main" w="9525">
                   <a:solidFill>
                     <a:srgbClr val="000000"/>
                   </a:solidFill>
@@ -4341,7 +4527,7 @@
             </a:ln>
             <a:extLst>
               <a:ext uri="{91240B29-F687-4f45-9708-019B960494DF}">
-                <a14:hiddenLine xmlns:a14="http://schemas.microsoft.com/office/drawing/2010/main" xmlns="" w="9525">
+                <a14:hiddenLine xmlns="" xmlns:a14="http://schemas.microsoft.com/office/drawing/2010/main" w="9525">
                   <a:solidFill>
                     <a:srgbClr val="000000"/>
                   </a:solidFill>
@@ -4406,7 +4592,7 @@
             </a:ln>
             <a:extLst>
               <a:ext uri="{91240B29-F687-4f45-9708-019B960494DF}">
-                <a14:hiddenLine xmlns:a14="http://schemas.microsoft.com/office/drawing/2010/main" xmlns="" w="9525">
+                <a14:hiddenLine xmlns="" xmlns:a14="http://schemas.microsoft.com/office/drawing/2010/main" w="9525">
                   <a:solidFill>
                     <a:srgbClr val="000000"/>
                   </a:solidFill>
@@ -4496,7 +4682,7 @@
             </a:ln>
             <a:extLst>
               <a:ext uri="{91240B29-F687-4f45-9708-019B960494DF}">
-                <a14:hiddenLine xmlns:a14="http://schemas.microsoft.com/office/drawing/2010/main" xmlns="" w="9525">
+                <a14:hiddenLine xmlns="" xmlns:a14="http://schemas.microsoft.com/office/drawing/2010/main" w="9525">
                   <a:solidFill>
                     <a:srgbClr val="000000"/>
                   </a:solidFill>
@@ -4558,7 +4744,7 @@
             </a:ln>
             <a:extLst>
               <a:ext uri="{91240B29-F687-4f45-9708-019B960494DF}">
-                <a14:hiddenLine xmlns:a14="http://schemas.microsoft.com/office/drawing/2010/main" xmlns="" w="9525">
+                <a14:hiddenLine xmlns="" xmlns:a14="http://schemas.microsoft.com/office/drawing/2010/main" w="9525">
                   <a:solidFill>
                     <a:srgbClr val="000000"/>
                   </a:solidFill>
@@ -4648,7 +4834,7 @@
             </a:ln>
             <a:extLst>
               <a:ext uri="{91240B29-F687-4f45-9708-019B960494DF}">
-                <a14:hiddenLine xmlns:a14="http://schemas.microsoft.com/office/drawing/2010/main" xmlns="" w="9525">
+                <a14:hiddenLine xmlns="" xmlns:a14="http://schemas.microsoft.com/office/drawing/2010/main" w="9525">
                   <a:solidFill>
                     <a:srgbClr val="000000"/>
                   </a:solidFill>
@@ -4738,7 +4924,7 @@
             </a:ln>
             <a:extLst>
               <a:ext uri="{91240B29-F687-4f45-9708-019B960494DF}">
-                <a14:hiddenLine xmlns:a14="http://schemas.microsoft.com/office/drawing/2010/main" xmlns="" w="9525">
+                <a14:hiddenLine xmlns="" xmlns:a14="http://schemas.microsoft.com/office/drawing/2010/main" w="9525">
                   <a:solidFill>
                     <a:srgbClr val="000000"/>
                   </a:solidFill>
@@ -4803,7 +4989,7 @@
             </a:ln>
             <a:extLst>
               <a:ext uri="{91240B29-F687-4f45-9708-019B960494DF}">
-                <a14:hiddenLine xmlns:a14="http://schemas.microsoft.com/office/drawing/2010/main" xmlns="" w="9525">
+                <a14:hiddenLine xmlns="" xmlns:a14="http://schemas.microsoft.com/office/drawing/2010/main" w="9525">
                   <a:solidFill>
                     <a:srgbClr val="000000"/>
                   </a:solidFill>
@@ -4865,7 +5051,7 @@
             </a:ln>
             <a:extLst>
               <a:ext uri="{91240B29-F687-4f45-9708-019B960494DF}">
-                <a14:hiddenLine xmlns:a14="http://schemas.microsoft.com/office/drawing/2010/main" xmlns="" w="9525">
+                <a14:hiddenLine xmlns="" xmlns:a14="http://schemas.microsoft.com/office/drawing/2010/main" w="9525">
                   <a:solidFill>
                     <a:srgbClr val="000000"/>
                   </a:solidFill>
@@ -4955,7 +5141,7 @@
             </a:ln>
             <a:extLst>
               <a:ext uri="{91240B29-F687-4f45-9708-019B960494DF}">
-                <a14:hiddenLine xmlns:a14="http://schemas.microsoft.com/office/drawing/2010/main" xmlns="" w="9525">
+                <a14:hiddenLine xmlns="" xmlns:a14="http://schemas.microsoft.com/office/drawing/2010/main" w="9525">
                   <a:solidFill>
                     <a:srgbClr val="000000"/>
                   </a:solidFill>
@@ -5045,7 +5231,7 @@
             </a:ln>
             <a:extLst>
               <a:ext uri="{91240B29-F687-4f45-9708-019B960494DF}">
-                <a14:hiddenLine xmlns:a14="http://schemas.microsoft.com/office/drawing/2010/main" xmlns="" w="9525">
+                <a14:hiddenLine xmlns="" xmlns:a14="http://schemas.microsoft.com/office/drawing/2010/main" w="9525">
                   <a:solidFill>
                     <a:srgbClr val="000000"/>
                   </a:solidFill>
@@ -5107,7 +5293,7 @@
             </a:ln>
             <a:extLst>
               <a:ext uri="{91240B29-F687-4f45-9708-019B960494DF}">
-                <a14:hiddenLine xmlns:a14="http://schemas.microsoft.com/office/drawing/2010/main" xmlns="" w="9525">
+                <a14:hiddenLine xmlns="" xmlns:a14="http://schemas.microsoft.com/office/drawing/2010/main" w="9525">
                   <a:solidFill>
                     <a:srgbClr val="000000"/>
                   </a:solidFill>
@@ -5227,7 +5413,7 @@
             </a:ln>
             <a:extLst>
               <a:ext uri="{91240B29-F687-4f45-9708-019B960494DF}">
-                <a14:hiddenLine xmlns:a14="http://schemas.microsoft.com/office/drawing/2010/main" xmlns="" w="9525">
+                <a14:hiddenLine xmlns="" xmlns:a14="http://schemas.microsoft.com/office/drawing/2010/main" w="9525">
                   <a:solidFill>
                     <a:srgbClr val="000000"/>
                   </a:solidFill>
@@ -5295,7 +5481,7 @@
             </a:ln>
             <a:extLst>
               <a:ext uri="{91240B29-F687-4f45-9708-019B960494DF}">
-                <a14:hiddenLine xmlns:a14="http://schemas.microsoft.com/office/drawing/2010/main" xmlns="" w="9525">
+                <a14:hiddenLine xmlns="" xmlns:a14="http://schemas.microsoft.com/office/drawing/2010/main" w="9525">
                   <a:solidFill>
                     <a:srgbClr val="000000"/>
                   </a:solidFill>
@@ -5385,7 +5571,7 @@
             </a:ln>
             <a:extLst>
               <a:ext uri="{91240B29-F687-4f45-9708-019B960494DF}">
-                <a14:hiddenLine xmlns:a14="http://schemas.microsoft.com/office/drawing/2010/main" xmlns="" w="9525">
+                <a14:hiddenLine xmlns="" xmlns:a14="http://schemas.microsoft.com/office/drawing/2010/main" w="9525">
                   <a:solidFill>
                     <a:srgbClr val="000000"/>
                   </a:solidFill>
@@ -11144,7 +11330,7 @@
           <a:noFill/>
           <a:extLst>
             <a:ext uri="{909E8E84-426E-40dd-AFC4-6F175D3DCCD1}">
-              <a14:hiddenFill xmlns:a14="http://schemas.microsoft.com/office/drawing/2010/main" xmlns="">
+              <a14:hiddenFill xmlns="" xmlns:a14="http://schemas.microsoft.com/office/drawing/2010/main">
                 <a:solidFill>
                   <a:srgbClr val="FFFFFF"/>
                 </a:solidFill>
@@ -11218,7 +11404,7 @@
               </a:ln>
               <a:extLst>
                 <a:ext uri="{91240B29-F687-4f45-9708-019B960494DF}">
-                  <a14:hiddenLine xmlns:a14="http://schemas.microsoft.com/office/drawing/2010/main" xmlns="" w="9525">
+                  <a14:hiddenLine xmlns="" xmlns:a14="http://schemas.microsoft.com/office/drawing/2010/main" w="9525">
                     <a:solidFill>
                       <a:srgbClr val="000000"/>
                     </a:solidFill>
@@ -11308,7 +11494,7 @@
               </a:ln>
               <a:extLst>
                 <a:ext uri="{91240B29-F687-4f45-9708-019B960494DF}">
-                  <a14:hiddenLine xmlns:a14="http://schemas.microsoft.com/office/drawing/2010/main" xmlns="" w="9525">
+                  <a14:hiddenLine xmlns="" xmlns:a14="http://schemas.microsoft.com/office/drawing/2010/main" w="9525">
                     <a:solidFill>
                       <a:srgbClr val="000000"/>
                     </a:solidFill>
@@ -11398,7 +11584,7 @@
               </a:ln>
               <a:extLst>
                 <a:ext uri="{91240B29-F687-4f45-9708-019B960494DF}">
-                  <a14:hiddenLine xmlns:a14="http://schemas.microsoft.com/office/drawing/2010/main" xmlns="" w="9525">
+                  <a14:hiddenLine xmlns="" xmlns:a14="http://schemas.microsoft.com/office/drawing/2010/main" w="9525">
                     <a:solidFill>
                       <a:srgbClr val="000000"/>
                     </a:solidFill>
@@ -11460,7 +11646,7 @@
               </a:ln>
               <a:extLst>
                 <a:ext uri="{91240B29-F687-4f45-9708-019B960494DF}">
-                  <a14:hiddenLine xmlns:a14="http://schemas.microsoft.com/office/drawing/2010/main" xmlns="" w="9525">
+                  <a14:hiddenLine xmlns="" xmlns:a14="http://schemas.microsoft.com/office/drawing/2010/main" w="9525">
                     <a:solidFill>
                       <a:srgbClr val="000000"/>
                     </a:solidFill>
@@ -11550,7 +11736,7 @@
               </a:ln>
               <a:extLst>
                 <a:ext uri="{91240B29-F687-4f45-9708-019B960494DF}">
-                  <a14:hiddenLine xmlns:a14="http://schemas.microsoft.com/office/drawing/2010/main" xmlns="" w="9525">
+                  <a14:hiddenLine xmlns="" xmlns:a14="http://schemas.microsoft.com/office/drawing/2010/main" w="9525">
                     <a:solidFill>
                       <a:srgbClr val="000000"/>
                     </a:solidFill>
@@ -11612,7 +11798,7 @@
               </a:ln>
               <a:extLst>
                 <a:ext uri="{91240B29-F687-4f45-9708-019B960494DF}">
-                  <a14:hiddenLine xmlns:a14="http://schemas.microsoft.com/office/drawing/2010/main" xmlns="" w="9525">
+                  <a14:hiddenLine xmlns="" xmlns:a14="http://schemas.microsoft.com/office/drawing/2010/main" w="9525">
                     <a:solidFill>
                       <a:srgbClr val="000000"/>
                     </a:solidFill>
@@ -11674,7 +11860,7 @@
               </a:ln>
               <a:extLst>
                 <a:ext uri="{91240B29-F687-4f45-9708-019B960494DF}">
-                  <a14:hiddenLine xmlns:a14="http://schemas.microsoft.com/office/drawing/2010/main" xmlns="" w="9525">
+                  <a14:hiddenLine xmlns="" xmlns:a14="http://schemas.microsoft.com/office/drawing/2010/main" w="9525">
                     <a:solidFill>
                       <a:srgbClr val="000000"/>
                     </a:solidFill>
@@ -11764,7 +11950,7 @@
               </a:ln>
               <a:extLst>
                 <a:ext uri="{91240B29-F687-4f45-9708-019B960494DF}">
-                  <a14:hiddenLine xmlns:a14="http://schemas.microsoft.com/office/drawing/2010/main" xmlns="" w="9525">
+                  <a14:hiddenLine xmlns="" xmlns:a14="http://schemas.microsoft.com/office/drawing/2010/main" w="9525">
                     <a:solidFill>
                       <a:srgbClr val="000000"/>
                     </a:solidFill>
@@ -11854,7 +12040,7 @@
               </a:ln>
               <a:extLst>
                 <a:ext uri="{91240B29-F687-4f45-9708-019B960494DF}">
-                  <a14:hiddenLine xmlns:a14="http://schemas.microsoft.com/office/drawing/2010/main" xmlns="" w="9525">
+                  <a14:hiddenLine xmlns="" xmlns:a14="http://schemas.microsoft.com/office/drawing/2010/main" w="9525">
                     <a:solidFill>
                       <a:srgbClr val="000000"/>
                     </a:solidFill>
@@ -11916,7 +12102,7 @@
               </a:ln>
               <a:extLst>
                 <a:ext uri="{91240B29-F687-4f45-9708-019B960494DF}">
-                  <a14:hiddenLine xmlns:a14="http://schemas.microsoft.com/office/drawing/2010/main" xmlns="" w="9525">
+                  <a14:hiddenLine xmlns="" xmlns:a14="http://schemas.microsoft.com/office/drawing/2010/main" w="9525">
                     <a:solidFill>
                       <a:srgbClr val="000000"/>
                     </a:solidFill>
@@ -12026,7 +12212,7 @@
               </a:ln>
               <a:extLst>
                 <a:ext uri="{91240B29-F687-4f45-9708-019B960494DF}">
-                  <a14:hiddenLine xmlns:a14="http://schemas.microsoft.com/office/drawing/2010/main" xmlns="" w="9525">
+                  <a14:hiddenLine xmlns="" xmlns:a14="http://schemas.microsoft.com/office/drawing/2010/main" w="9525">
                     <a:solidFill>
                       <a:srgbClr val="000000"/>
                     </a:solidFill>
@@ -12110,7 +12296,7 @@
               </a:ln>
               <a:extLst>
                 <a:ext uri="{91240B29-F687-4f45-9708-019B960494DF}">
-                  <a14:hiddenLine xmlns:a14="http://schemas.microsoft.com/office/drawing/2010/main" xmlns="" w="9525">
+                  <a14:hiddenLine xmlns="" xmlns:a14="http://schemas.microsoft.com/office/drawing/2010/main" w="9525">
                     <a:solidFill>
                       <a:srgbClr val="000000"/>
                     </a:solidFill>
@@ -12172,7 +12358,7 @@
               </a:ln>
               <a:extLst>
                 <a:ext uri="{91240B29-F687-4f45-9708-019B960494DF}">
-                  <a14:hiddenLine xmlns:a14="http://schemas.microsoft.com/office/drawing/2010/main" xmlns="" w="9525">
+                  <a14:hiddenLine xmlns="" xmlns:a14="http://schemas.microsoft.com/office/drawing/2010/main" w="9525">
                     <a:solidFill>
                       <a:srgbClr val="000000"/>
                     </a:solidFill>
@@ -12234,7 +12420,7 @@
               </a:ln>
               <a:extLst>
                 <a:ext uri="{91240B29-F687-4f45-9708-019B960494DF}">
-                  <a14:hiddenLine xmlns:a14="http://schemas.microsoft.com/office/drawing/2010/main" xmlns="" w="9525">
+                  <a14:hiddenLine xmlns="" xmlns:a14="http://schemas.microsoft.com/office/drawing/2010/main" w="9525">
                     <a:solidFill>
                       <a:srgbClr val="000000"/>
                     </a:solidFill>
@@ -12324,7 +12510,7 @@
               </a:ln>
               <a:extLst>
                 <a:ext uri="{91240B29-F687-4f45-9708-019B960494DF}">
-                  <a14:hiddenLine xmlns:a14="http://schemas.microsoft.com/office/drawing/2010/main" xmlns="" w="9525">
+                  <a14:hiddenLine xmlns="" xmlns:a14="http://schemas.microsoft.com/office/drawing/2010/main" w="9525">
                     <a:solidFill>
                       <a:srgbClr val="000000"/>
                     </a:solidFill>
@@ -12358,7 +12544,7 @@
               </a:ln>
               <a:extLst>
                 <a:ext uri="{91240B29-F687-4f45-9708-019B960494DF}">
-                  <a14:hiddenLine xmlns:a14="http://schemas.microsoft.com/office/drawing/2010/main" xmlns="" w="9525">
+                  <a14:hiddenLine xmlns="" xmlns:a14="http://schemas.microsoft.com/office/drawing/2010/main" w="9525">
                     <a:solidFill>
                       <a:srgbClr val="000000"/>
                     </a:solidFill>
@@ -12423,7 +12609,7 @@
               </a:ln>
               <a:extLst>
                 <a:ext uri="{91240B29-F687-4f45-9708-019B960494DF}">
-                  <a14:hiddenLine xmlns:a14="http://schemas.microsoft.com/office/drawing/2010/main" xmlns="" w="9525">
+                  <a14:hiddenLine xmlns="" xmlns:a14="http://schemas.microsoft.com/office/drawing/2010/main" w="9525">
                     <a:solidFill>
                       <a:srgbClr val="000000"/>
                     </a:solidFill>
@@ -12513,7 +12699,7 @@
               </a:ln>
               <a:extLst>
                 <a:ext uri="{91240B29-F687-4f45-9708-019B960494DF}">
-                  <a14:hiddenLine xmlns:a14="http://schemas.microsoft.com/office/drawing/2010/main" xmlns="" w="9525">
+                  <a14:hiddenLine xmlns="" xmlns:a14="http://schemas.microsoft.com/office/drawing/2010/main" w="9525">
                     <a:solidFill>
                       <a:srgbClr val="000000"/>
                     </a:solidFill>
@@ -12575,7 +12761,7 @@
               </a:ln>
               <a:extLst>
                 <a:ext uri="{91240B29-F687-4f45-9708-019B960494DF}">
-                  <a14:hiddenLine xmlns:a14="http://schemas.microsoft.com/office/drawing/2010/main" xmlns="" w="9525">
+                  <a14:hiddenLine xmlns="" xmlns:a14="http://schemas.microsoft.com/office/drawing/2010/main" w="9525">
                     <a:solidFill>
                       <a:srgbClr val="000000"/>
                     </a:solidFill>
@@ -12665,7 +12851,7 @@
               </a:ln>
               <a:extLst>
                 <a:ext uri="{91240B29-F687-4f45-9708-019B960494DF}">
-                  <a14:hiddenLine xmlns:a14="http://schemas.microsoft.com/office/drawing/2010/main" xmlns="" w="9525">
+                  <a14:hiddenLine xmlns="" xmlns:a14="http://schemas.microsoft.com/office/drawing/2010/main" w="9525">
                     <a:solidFill>
                       <a:srgbClr val="000000"/>
                     </a:solidFill>
@@ -12730,7 +12916,7 @@
               </a:ln>
               <a:extLst>
                 <a:ext uri="{91240B29-F687-4f45-9708-019B960494DF}">
-                  <a14:hiddenLine xmlns:a14="http://schemas.microsoft.com/office/drawing/2010/main" xmlns="" w="9525">
+                  <a14:hiddenLine xmlns="" xmlns:a14="http://schemas.microsoft.com/office/drawing/2010/main" w="9525">
                     <a:solidFill>
                       <a:srgbClr val="000000"/>
                     </a:solidFill>
@@ -12792,7 +12978,7 @@
               </a:ln>
               <a:extLst>
                 <a:ext uri="{91240B29-F687-4f45-9708-019B960494DF}">
-                  <a14:hiddenLine xmlns:a14="http://schemas.microsoft.com/office/drawing/2010/main" xmlns="" w="9525">
+                  <a14:hiddenLine xmlns="" xmlns:a14="http://schemas.microsoft.com/office/drawing/2010/main" w="9525">
                     <a:solidFill>
                       <a:srgbClr val="000000"/>
                     </a:solidFill>
@@ -12882,7 +13068,7 @@
               </a:ln>
               <a:extLst>
                 <a:ext uri="{91240B29-F687-4f45-9708-019B960494DF}">
-                  <a14:hiddenLine xmlns:a14="http://schemas.microsoft.com/office/drawing/2010/main" xmlns="" w="9525">
+                  <a14:hiddenLine xmlns="" xmlns:a14="http://schemas.microsoft.com/office/drawing/2010/main" w="9525">
                     <a:solidFill>
                       <a:srgbClr val="000000"/>
                     </a:solidFill>
@@ -12972,7 +13158,7 @@
               </a:ln>
               <a:extLst>
                 <a:ext uri="{91240B29-F687-4f45-9708-019B960494DF}">
-                  <a14:hiddenLine xmlns:a14="http://schemas.microsoft.com/office/drawing/2010/main" xmlns="" w="9525">
+                  <a14:hiddenLine xmlns="" xmlns:a14="http://schemas.microsoft.com/office/drawing/2010/main" w="9525">
                     <a:solidFill>
                       <a:srgbClr val="000000"/>
                     </a:solidFill>
@@ -13037,7 +13223,7 @@
               </a:ln>
               <a:extLst>
                 <a:ext uri="{91240B29-F687-4f45-9708-019B960494DF}">
-                  <a14:hiddenLine xmlns:a14="http://schemas.microsoft.com/office/drawing/2010/main" xmlns="" w="9525">
+                  <a14:hiddenLine xmlns="" xmlns:a14="http://schemas.microsoft.com/office/drawing/2010/main" w="9525">
                     <a:solidFill>
                       <a:srgbClr val="000000"/>
                     </a:solidFill>
@@ -13157,7 +13343,7 @@
               </a:ln>
               <a:extLst>
                 <a:ext uri="{91240B29-F687-4f45-9708-019B960494DF}">
-                  <a14:hiddenLine xmlns:a14="http://schemas.microsoft.com/office/drawing/2010/main" xmlns="" w="9525">
+                  <a14:hiddenLine xmlns="" xmlns:a14="http://schemas.microsoft.com/office/drawing/2010/main" w="9525">
                     <a:solidFill>
                       <a:srgbClr val="000000"/>
                     </a:solidFill>
@@ -13255,7 +13441,7 @@
               </a:ln>
               <a:extLst>
                 <a:ext uri="{91240B29-F687-4f45-9708-019B960494DF}">
-                  <a14:hiddenLine xmlns:a14="http://schemas.microsoft.com/office/drawing/2010/main" xmlns="" w="9525">
+                  <a14:hiddenLine xmlns="" xmlns:a14="http://schemas.microsoft.com/office/drawing/2010/main" w="9525">
                     <a:solidFill>
                       <a:srgbClr val="000000"/>
                     </a:solidFill>
@@ -13370,7 +13556,7 @@
               </a:ln>
               <a:extLst>
                 <a:ext uri="{91240B29-F687-4f45-9708-019B960494DF}">
-                  <a14:hiddenLine xmlns:a14="http://schemas.microsoft.com/office/drawing/2010/main" xmlns="" w="9525">
+                  <a14:hiddenLine xmlns="" xmlns:a14="http://schemas.microsoft.com/office/drawing/2010/main" w="9525">
                     <a:solidFill>
                       <a:srgbClr val="000000"/>
                     </a:solidFill>
@@ -13460,7 +13646,7 @@
               </a:ln>
               <a:extLst>
                 <a:ext uri="{91240B29-F687-4f45-9708-019B960494DF}">
-                  <a14:hiddenLine xmlns:a14="http://schemas.microsoft.com/office/drawing/2010/main" xmlns="" w="9525">
+                  <a14:hiddenLine xmlns="" xmlns:a14="http://schemas.microsoft.com/office/drawing/2010/main" w="9525">
                     <a:solidFill>
                       <a:srgbClr val="000000"/>
                     </a:solidFill>
@@ -13525,7 +13711,7 @@
               </a:ln>
               <a:extLst>
                 <a:ext uri="{91240B29-F687-4f45-9708-019B960494DF}">
-                  <a14:hiddenLine xmlns:a14="http://schemas.microsoft.com/office/drawing/2010/main" xmlns="" w="9525">
+                  <a14:hiddenLine xmlns="" xmlns:a14="http://schemas.microsoft.com/office/drawing/2010/main" w="9525">
                     <a:solidFill>
                       <a:srgbClr val="000000"/>
                     </a:solidFill>
@@ -13615,7 +13801,7 @@
               </a:ln>
               <a:extLst>
                 <a:ext uri="{91240B29-F687-4f45-9708-019B960494DF}">
-                  <a14:hiddenLine xmlns:a14="http://schemas.microsoft.com/office/drawing/2010/main" xmlns="" w="9525">
+                  <a14:hiddenLine xmlns="" xmlns:a14="http://schemas.microsoft.com/office/drawing/2010/main" w="9525">
                     <a:solidFill>
                       <a:srgbClr val="000000"/>
                     </a:solidFill>
@@ -13683,7 +13869,7 @@
               </a:ln>
               <a:extLst>
                 <a:ext uri="{91240B29-F687-4f45-9708-019B960494DF}">
-                  <a14:hiddenLine xmlns:a14="http://schemas.microsoft.com/office/drawing/2010/main" xmlns="" w="9525">
+                  <a14:hiddenLine xmlns="" xmlns:a14="http://schemas.microsoft.com/office/drawing/2010/main" w="9525">
                     <a:solidFill>
                       <a:srgbClr val="000000"/>
                     </a:solidFill>
@@ -13773,7 +13959,7 @@
               </a:ln>
               <a:extLst>
                 <a:ext uri="{91240B29-F687-4f45-9708-019B960494DF}">
-                  <a14:hiddenLine xmlns:a14="http://schemas.microsoft.com/office/drawing/2010/main" xmlns="" w="9525">
+                  <a14:hiddenLine xmlns="" xmlns:a14="http://schemas.microsoft.com/office/drawing/2010/main" w="9525">
                     <a:solidFill>
                       <a:srgbClr val="000000"/>
                     </a:solidFill>
@@ -13841,7 +14027,7 @@
               </a:ln>
               <a:extLst>
                 <a:ext uri="{91240B29-F687-4f45-9708-019B960494DF}">
-                  <a14:hiddenLine xmlns:a14="http://schemas.microsoft.com/office/drawing/2010/main" xmlns="" w="9525">
+                  <a14:hiddenLine xmlns="" xmlns:a14="http://schemas.microsoft.com/office/drawing/2010/main" w="9525">
                     <a:solidFill>
                       <a:srgbClr val="000000"/>
                     </a:solidFill>
@@ -13931,7 +14117,7 @@
               </a:ln>
               <a:extLst>
                 <a:ext uri="{91240B29-F687-4f45-9708-019B960494DF}">
-                  <a14:hiddenLine xmlns:a14="http://schemas.microsoft.com/office/drawing/2010/main" xmlns="" w="9525">
+                  <a14:hiddenLine xmlns="" xmlns:a14="http://schemas.microsoft.com/office/drawing/2010/main" w="9525">
                     <a:solidFill>
                       <a:srgbClr val="000000"/>
                     </a:solidFill>
@@ -13965,7 +14151,7 @@
               </a:ln>
               <a:extLst>
                 <a:ext uri="{91240B29-F687-4f45-9708-019B960494DF}">
-                  <a14:hiddenLine xmlns:a14="http://schemas.microsoft.com/office/drawing/2010/main" xmlns="" w="9525">
+                  <a14:hiddenLine xmlns="" xmlns:a14="http://schemas.microsoft.com/office/drawing/2010/main" w="9525">
                     <a:solidFill>
                       <a:srgbClr val="000000"/>
                     </a:solidFill>
@@ -15131,6 +15317,52 @@
           </a:p>
         </p:txBody>
       </p:sp>
+      <p:sp>
+        <p:nvSpPr>
+          <p:cNvPr id="2" name="Arrow: Left 1">
+            <a:extLst>
+              <a:ext uri="{FF2B5EF4-FFF2-40B4-BE49-F238E27FC236}">
+                <a16:creationId xmlns:a16="http://schemas.microsoft.com/office/drawing/2014/main" id="{5C70577E-11F0-444C-9FBC-F68415F49AAC}"/>
+              </a:ext>
+            </a:extLst>
+          </p:cNvPr>
+          <p:cNvSpPr/>
+          <p:nvPr/>
+        </p:nvSpPr>
+        <p:spPr>
+          <a:xfrm>
+            <a:off x="1981200" y="3048000"/>
+            <a:ext cx="914400" cy="152400"/>
+          </a:xfrm>
+          <a:prstGeom prst="leftArrow">
+            <a:avLst/>
+          </a:prstGeom>
+        </p:spPr>
+        <p:style>
+          <a:lnRef idx="2">
+            <a:schemeClr val="accent5">
+              <a:shade val="50000"/>
+            </a:schemeClr>
+          </a:lnRef>
+          <a:fillRef idx="1">
+            <a:schemeClr val="accent5"/>
+          </a:fillRef>
+          <a:effectRef idx="0">
+            <a:schemeClr val="accent5"/>
+          </a:effectRef>
+          <a:fontRef idx="minor">
+            <a:schemeClr val="lt1"/>
+          </a:fontRef>
+        </p:style>
+        <p:txBody>
+          <a:bodyPr rtlCol="0" anchor="ctr"/>
+          <a:lstStyle/>
+          <a:p>
+            <a:pPr algn="ctr"/>
+            <a:endParaRPr lang="en-GB"/>
+          </a:p>
+        </p:txBody>
+      </p:sp>
     </p:spTree>
     <p:extLst>
       <p:ext uri="{BB962C8B-B14F-4D97-AF65-F5344CB8AC3E}">
@@ -15197,6 +15429,384 @@
           </a:prstGeom>
         </p:spPr>
       </p:pic>
+      <p:grpSp>
+        <p:nvGrpSpPr>
+          <p:cNvPr id="4" name="Group 3">
+            <a:extLst>
+              <a:ext uri="{FF2B5EF4-FFF2-40B4-BE49-F238E27FC236}">
+                <a16:creationId xmlns:a16="http://schemas.microsoft.com/office/drawing/2014/main" id="{34BBBCD4-160D-4779-A20A-80D86D1584A2}"/>
+              </a:ext>
+            </a:extLst>
+          </p:cNvPr>
+          <p:cNvGrpSpPr/>
+          <p:nvPr/>
+        </p:nvGrpSpPr>
+        <p:grpSpPr>
+          <a:xfrm>
+            <a:off x="2971545" y="3352665"/>
+            <a:ext cx="3960" cy="9360"/>
+            <a:chOff x="2971545" y="3352665"/>
+            <a:chExt cx="3960" cy="9360"/>
+          </a:xfrm>
+        </p:grpSpPr>
+        <mc:AlternateContent xmlns:mc="http://schemas.openxmlformats.org/markup-compatibility/2006">
+          <mc:Choice xmlns:p14="http://schemas.microsoft.com/office/powerpoint/2010/main" Requires="p14">
+            <p:contentPart p14:bwMode="auto" r:id="rId3">
+              <p14:nvContentPartPr>
+                <p14:cNvPr id="2" name="Ink 1">
+                  <a:extLst>
+                    <a:ext uri="{FF2B5EF4-FFF2-40B4-BE49-F238E27FC236}">
+                      <a16:creationId xmlns:a16="http://schemas.microsoft.com/office/drawing/2014/main" id="{5AB6897B-0EC2-40A5-8203-8ED8CF624D29}"/>
+                    </a:ext>
+                  </a:extLst>
+                </p14:cNvPr>
+                <p14:cNvContentPartPr/>
+                <p14:nvPr/>
+              </p14:nvContentPartPr>
+              <p14:xfrm>
+                <a:off x="2971545" y="3352665"/>
+                <a:ext cx="360" cy="360"/>
+              </p14:xfrm>
+            </p:contentPart>
+          </mc:Choice>
+          <mc:Fallback>
+            <p:pic>
+              <p:nvPicPr>
+                <p:cNvPr id="2" name="Ink 1">
+                  <a:extLst>
+                    <a:ext uri="{FF2B5EF4-FFF2-40B4-BE49-F238E27FC236}">
+                      <a16:creationId xmlns:a16="http://schemas.microsoft.com/office/drawing/2014/main" id="{5AB6897B-0EC2-40A5-8203-8ED8CF624D29}"/>
+                    </a:ext>
+                  </a:extLst>
+                </p:cNvPr>
+                <p:cNvPicPr/>
+                <p:nvPr/>
+              </p:nvPicPr>
+              <p:blipFill>
+                <a:blip r:embed="rId4"/>
+                <a:stretch>
+                  <a:fillRect/>
+                </a:stretch>
+              </p:blipFill>
+              <p:spPr>
+                <a:xfrm>
+                  <a:off x="2962905" y="3343665"/>
+                  <a:ext cx="18000" cy="18000"/>
+                </a:xfrm>
+                <a:prstGeom prst="rect">
+                  <a:avLst/>
+                </a:prstGeom>
+              </p:spPr>
+            </p:pic>
+          </mc:Fallback>
+        </mc:AlternateContent>
+        <mc:AlternateContent xmlns:mc="http://schemas.openxmlformats.org/markup-compatibility/2006">
+          <mc:Choice xmlns:p14="http://schemas.microsoft.com/office/powerpoint/2010/main" Requires="p14">
+            <p:contentPart p14:bwMode="auto" r:id="rId5">
+              <p14:nvContentPartPr>
+                <p14:cNvPr id="3" name="Ink 2">
+                  <a:extLst>
+                    <a:ext uri="{FF2B5EF4-FFF2-40B4-BE49-F238E27FC236}">
+                      <a16:creationId xmlns:a16="http://schemas.microsoft.com/office/drawing/2014/main" id="{01574F62-EC58-4418-9C0F-ED876E47176B}"/>
+                    </a:ext>
+                  </a:extLst>
+                </p14:cNvPr>
+                <p14:cNvContentPartPr/>
+                <p14:nvPr/>
+              </p14:nvContentPartPr>
+              <p14:xfrm>
+                <a:off x="2971545" y="3361665"/>
+                <a:ext cx="3960" cy="360"/>
+              </p14:xfrm>
+            </p:contentPart>
+          </mc:Choice>
+          <mc:Fallback>
+            <p:pic>
+              <p:nvPicPr>
+                <p:cNvPr id="3" name="Ink 2">
+                  <a:extLst>
+                    <a:ext uri="{FF2B5EF4-FFF2-40B4-BE49-F238E27FC236}">
+                      <a16:creationId xmlns:a16="http://schemas.microsoft.com/office/drawing/2014/main" id="{01574F62-EC58-4418-9C0F-ED876E47176B}"/>
+                    </a:ext>
+                  </a:extLst>
+                </p:cNvPr>
+                <p:cNvPicPr/>
+                <p:nvPr/>
+              </p:nvPicPr>
+              <p:blipFill>
+                <a:blip r:embed="rId4"/>
+                <a:stretch>
+                  <a:fillRect/>
+                </a:stretch>
+              </p:blipFill>
+              <p:spPr>
+                <a:xfrm>
+                  <a:off x="2962905" y="3352665"/>
+                  <a:ext cx="21600" cy="18000"/>
+                </a:xfrm>
+                <a:prstGeom prst="rect">
+                  <a:avLst/>
+                </a:prstGeom>
+              </p:spPr>
+            </p:pic>
+          </mc:Fallback>
+        </mc:AlternateContent>
+      </p:grpSp>
+      <mc:AlternateContent xmlns:mc="http://schemas.openxmlformats.org/markup-compatibility/2006">
+        <mc:Choice xmlns:p14="http://schemas.microsoft.com/office/powerpoint/2010/main" Requires="p14">
+          <p:contentPart p14:bwMode="auto" r:id="rId6">
+            <p14:nvContentPartPr>
+              <p14:cNvPr id="6" name="Ink 5">
+                <a:extLst>
+                  <a:ext uri="{FF2B5EF4-FFF2-40B4-BE49-F238E27FC236}">
+                    <a16:creationId xmlns:a16="http://schemas.microsoft.com/office/drawing/2014/main" id="{5782FF27-5CAF-445B-A7CE-252806F6DB51}"/>
+                  </a:ext>
+                </a:extLst>
+              </p14:cNvPr>
+              <p14:cNvContentPartPr/>
+              <p14:nvPr/>
+            </p14:nvContentPartPr>
+            <p14:xfrm>
+              <a:off x="2952105" y="3276345"/>
+              <a:ext cx="86400" cy="199080"/>
+            </p14:xfrm>
+          </p:contentPart>
+        </mc:Choice>
+        <mc:Fallback>
+          <p:pic>
+            <p:nvPicPr>
+              <p:cNvPr id="6" name="Ink 5">
+                <a:extLst>
+                  <a:ext uri="{FF2B5EF4-FFF2-40B4-BE49-F238E27FC236}">
+                    <a16:creationId xmlns:a16="http://schemas.microsoft.com/office/drawing/2014/main" id="{5782FF27-5CAF-445B-A7CE-252806F6DB51}"/>
+                  </a:ext>
+                </a:extLst>
+              </p:cNvPr>
+              <p:cNvPicPr/>
+              <p:nvPr/>
+            </p:nvPicPr>
+            <p:blipFill>
+              <a:blip r:embed="rId7"/>
+              <a:stretch>
+                <a:fillRect/>
+              </a:stretch>
+            </p:blipFill>
+            <p:spPr>
+              <a:xfrm>
+                <a:off x="2889465" y="3213705"/>
+                <a:ext cx="212040" cy="324720"/>
+              </a:xfrm>
+              <a:prstGeom prst="rect">
+                <a:avLst/>
+              </a:prstGeom>
+            </p:spPr>
+          </p:pic>
+        </mc:Fallback>
+      </mc:AlternateContent>
+      <mc:AlternateContent xmlns:mc="http://schemas.openxmlformats.org/markup-compatibility/2006">
+        <mc:Choice xmlns:p14="http://schemas.microsoft.com/office/powerpoint/2010/main" Requires="p14">
+          <p:contentPart p14:bwMode="auto" r:id="rId8">
+            <p14:nvContentPartPr>
+              <p14:cNvPr id="7" name="Ink 6">
+                <a:extLst>
+                  <a:ext uri="{FF2B5EF4-FFF2-40B4-BE49-F238E27FC236}">
+                    <a16:creationId xmlns:a16="http://schemas.microsoft.com/office/drawing/2014/main" id="{9DD70B76-349F-4E6D-9CE4-67A7B9AE6C37}"/>
+                  </a:ext>
+                </a:extLst>
+              </p14:cNvPr>
+              <p14:cNvContentPartPr/>
+              <p14:nvPr/>
+            </p14:nvContentPartPr>
+            <p14:xfrm>
+              <a:off x="4992585" y="3247905"/>
+              <a:ext cx="17280" cy="180720"/>
+            </p14:xfrm>
+          </p:contentPart>
+        </mc:Choice>
+        <mc:Fallback>
+          <p:pic>
+            <p:nvPicPr>
+              <p:cNvPr id="7" name="Ink 6">
+                <a:extLst>
+                  <a:ext uri="{FF2B5EF4-FFF2-40B4-BE49-F238E27FC236}">
+                    <a16:creationId xmlns:a16="http://schemas.microsoft.com/office/drawing/2014/main" id="{9DD70B76-349F-4E6D-9CE4-67A7B9AE6C37}"/>
+                  </a:ext>
+                </a:extLst>
+              </p:cNvPr>
+              <p:cNvPicPr/>
+              <p:nvPr/>
+            </p:nvPicPr>
+            <p:blipFill>
+              <a:blip r:embed="rId9"/>
+              <a:stretch>
+                <a:fillRect/>
+              </a:stretch>
+            </p:blipFill>
+            <p:spPr>
+              <a:xfrm>
+                <a:off x="4929945" y="3184905"/>
+                <a:ext cx="142920" cy="306360"/>
+              </a:xfrm>
+              <a:prstGeom prst="rect">
+                <a:avLst/>
+              </a:prstGeom>
+            </p:spPr>
+          </p:pic>
+        </mc:Fallback>
+      </mc:AlternateContent>
+      <mc:AlternateContent xmlns:mc="http://schemas.openxmlformats.org/markup-compatibility/2006">
+        <mc:Choice xmlns:p14="http://schemas.microsoft.com/office/powerpoint/2010/main" Requires="p14">
+          <p:contentPart p14:bwMode="auto" r:id="rId10">
+            <p14:nvContentPartPr>
+              <p14:cNvPr id="8" name="Ink 7">
+                <a:extLst>
+                  <a:ext uri="{FF2B5EF4-FFF2-40B4-BE49-F238E27FC236}">
+                    <a16:creationId xmlns:a16="http://schemas.microsoft.com/office/drawing/2014/main" id="{BE7D18E9-9BFF-4186-A389-057375F6308F}"/>
+                  </a:ext>
+                </a:extLst>
+              </p14:cNvPr>
+              <p14:cNvContentPartPr/>
+              <p14:nvPr/>
+            </p14:nvContentPartPr>
+            <p14:xfrm>
+              <a:off x="4994745" y="2857305"/>
+              <a:ext cx="15480" cy="84600"/>
+            </p14:xfrm>
+          </p:contentPart>
+        </mc:Choice>
+        <mc:Fallback>
+          <p:pic>
+            <p:nvPicPr>
+              <p:cNvPr id="8" name="Ink 7">
+                <a:extLst>
+                  <a:ext uri="{FF2B5EF4-FFF2-40B4-BE49-F238E27FC236}">
+                    <a16:creationId xmlns:a16="http://schemas.microsoft.com/office/drawing/2014/main" id="{BE7D18E9-9BFF-4186-A389-057375F6308F}"/>
+                  </a:ext>
+                </a:extLst>
+              </p:cNvPr>
+              <p:cNvPicPr/>
+              <p:nvPr/>
+            </p:nvPicPr>
+            <p:blipFill>
+              <a:blip r:embed="rId11"/>
+              <a:stretch>
+                <a:fillRect/>
+              </a:stretch>
+            </p:blipFill>
+            <p:spPr>
+              <a:xfrm>
+                <a:off x="4931745" y="2794665"/>
+                <a:ext cx="141120" cy="210240"/>
+              </a:xfrm>
+              <a:prstGeom prst="rect">
+                <a:avLst/>
+              </a:prstGeom>
+            </p:spPr>
+          </p:pic>
+        </mc:Fallback>
+      </mc:AlternateContent>
+      <mc:AlternateContent xmlns:mc="http://schemas.openxmlformats.org/markup-compatibility/2006">
+        <mc:Choice xmlns:p14="http://schemas.microsoft.com/office/powerpoint/2010/main" Requires="p14">
+          <p:contentPart p14:bwMode="auto" r:id="rId12">
+            <p14:nvContentPartPr>
+              <p14:cNvPr id="9" name="Ink 8">
+                <a:extLst>
+                  <a:ext uri="{FF2B5EF4-FFF2-40B4-BE49-F238E27FC236}">
+                    <a16:creationId xmlns:a16="http://schemas.microsoft.com/office/drawing/2014/main" id="{02CA8CBC-318D-4AF5-85B7-92D69D9DA5DA}"/>
+                  </a:ext>
+                </a:extLst>
+              </p14:cNvPr>
+              <p14:cNvContentPartPr/>
+              <p14:nvPr/>
+            </p14:nvContentPartPr>
+            <p14:xfrm>
+              <a:off x="1699305" y="2874585"/>
+              <a:ext cx="3291840" cy="116280"/>
+            </p14:xfrm>
+          </p:contentPart>
+        </mc:Choice>
+        <mc:Fallback>
+          <p:pic>
+            <p:nvPicPr>
+              <p:cNvPr id="9" name="Ink 8">
+                <a:extLst>
+                  <a:ext uri="{FF2B5EF4-FFF2-40B4-BE49-F238E27FC236}">
+                    <a16:creationId xmlns:a16="http://schemas.microsoft.com/office/drawing/2014/main" id="{02CA8CBC-318D-4AF5-85B7-92D69D9DA5DA}"/>
+                  </a:ext>
+                </a:extLst>
+              </p:cNvPr>
+              <p:cNvPicPr/>
+              <p:nvPr/>
+            </p:nvPicPr>
+            <p:blipFill>
+              <a:blip r:embed="rId13"/>
+              <a:stretch>
+                <a:fillRect/>
+              </a:stretch>
+            </p:blipFill>
+            <p:spPr>
+              <a:xfrm>
+                <a:off x="1636305" y="2811945"/>
+                <a:ext cx="3417480" cy="241920"/>
+              </a:xfrm>
+              <a:prstGeom prst="rect">
+                <a:avLst/>
+              </a:prstGeom>
+            </p:spPr>
+          </p:pic>
+        </mc:Fallback>
+      </mc:AlternateContent>
+      <mc:AlternateContent xmlns:mc="http://schemas.openxmlformats.org/markup-compatibility/2006">
+        <mc:Choice xmlns:p14="http://schemas.microsoft.com/office/powerpoint/2010/main" Requires="p14">
+          <p:contentPart p14:bwMode="auto" r:id="rId14">
+            <p14:nvContentPartPr>
+              <p14:cNvPr id="11" name="Ink 10">
+                <a:extLst>
+                  <a:ext uri="{FF2B5EF4-FFF2-40B4-BE49-F238E27FC236}">
+                    <a16:creationId xmlns:a16="http://schemas.microsoft.com/office/drawing/2014/main" id="{1E81A3BC-B8BD-4E97-875A-4C2CB5BAD1D9}"/>
+                  </a:ext>
+                </a:extLst>
+              </p14:cNvPr>
+              <p14:cNvContentPartPr/>
+              <p14:nvPr/>
+            </p14:nvContentPartPr>
+            <p14:xfrm>
+              <a:off x="1675905" y="3114345"/>
+              <a:ext cx="277920" cy="392760"/>
+            </p14:xfrm>
+          </p:contentPart>
+        </mc:Choice>
+        <mc:Fallback>
+          <p:pic>
+            <p:nvPicPr>
+              <p:cNvPr id="11" name="Ink 10">
+                <a:extLst>
+                  <a:ext uri="{FF2B5EF4-FFF2-40B4-BE49-F238E27FC236}">
+                    <a16:creationId xmlns:a16="http://schemas.microsoft.com/office/drawing/2014/main" id="{1E81A3BC-B8BD-4E97-875A-4C2CB5BAD1D9}"/>
+                  </a:ext>
+                </a:extLst>
+              </p:cNvPr>
+              <p:cNvPicPr/>
+              <p:nvPr/>
+            </p:nvPicPr>
+            <p:blipFill>
+              <a:blip r:embed="rId15"/>
+              <a:stretch>
+                <a:fillRect/>
+              </a:stretch>
+            </p:blipFill>
+            <p:spPr>
+              <a:xfrm>
+                <a:off x="1657905" y="3096345"/>
+                <a:ext cx="313560" cy="428400"/>
+              </a:xfrm>
+              <a:prstGeom prst="rect">
+                <a:avLst/>
+              </a:prstGeom>
+            </p:spPr>
+          </p:pic>
+        </mc:Fallback>
+      </mc:AlternateContent>
     </p:spTree>
     <p:extLst>
       <p:ext uri="{BB962C8B-B14F-4D97-AF65-F5344CB8AC3E}">
